--- a/转移熵.pptx
+++ b/转移熵.pptx
@@ -257,7 +257,7 @@
           <a:p>
             <a:fld id="{69F2C009-255A-4E59-A1AF-823DD11320F1}" type="datetimeFigureOut">
               <a:rPr lang="zh-CN" altLang="en-US" smtClean="0"/>
-              <a:t>2017/10/10</a:t>
+              <a:t>2017/10/11</a:t>
             </a:fld>
             <a:endParaRPr lang="zh-CN" altLang="en-US"/>
           </a:p>
@@ -4433,14 +4433,7 @@
                 <a:latin typeface="微软雅黑" panose="020B0503020204020204" pitchFamily="34" charset="-122"/>
                 <a:ea typeface="微软雅黑" panose="020B0503020204020204" pitchFamily="34" charset="-122"/>
               </a:rPr>
-              <a:t>基础</a:t>
-            </a:r>
-            <a:r>
-              <a:rPr lang="zh-CN" altLang="en-US" sz="3600" dirty="0" smtClean="0">
-                <a:latin typeface="微软雅黑" panose="020B0503020204020204" pitchFamily="34" charset="-122"/>
-                <a:ea typeface="微软雅黑" panose="020B0503020204020204" pitchFamily="34" charset="-122"/>
-              </a:rPr>
-              <a:t>概念回顾</a:t>
+              <a:t>基础概念回顾</a:t>
             </a:r>
             <a:endParaRPr lang="en-US" altLang="zh-CN" sz="3600" dirty="0" smtClean="0">
               <a:latin typeface="微软雅黑" panose="020B0503020204020204" pitchFamily="34" charset="-122"/>
@@ -5176,10 +5169,6 @@
               </a:rPr>
               <a:t>              </a:t>
             </a:r>
-            <a:endParaRPr lang="en-US" altLang="zh-CN" sz="3200" dirty="0" smtClean="0">
-              <a:latin typeface="Microsoft YaHei UI Light" panose="020B0502040204020203" pitchFamily="34" charset="-122"/>
-              <a:ea typeface="Microsoft YaHei UI Light" panose="020B0502040204020203" pitchFamily="34" charset="-122"/>
-            </a:endParaRPr>
           </a:p>
           <a:p>
             <a:endParaRPr lang="en-US" altLang="zh-CN" sz="3200" dirty="0">
@@ -5307,8 +5296,8 @@
           <a:chExt cx="0" cy="0"/>
         </a:xfrm>
       </p:grpSpPr>
-      <mc:AlternateContent xmlns:mc="http://schemas.openxmlformats.org/markup-compatibility/2006">
-        <mc:Choice xmlns:a14="http://schemas.microsoft.com/office/drawing/2010/main" Requires="a14">
+      <mc:AlternateContent xmlns:mc="http://schemas.openxmlformats.org/markup-compatibility/2006" xmlns:a14="http://schemas.microsoft.com/office/drawing/2010/main">
+        <mc:Choice Requires="a14">
           <p:sp>
             <p:nvSpPr>
               <p:cNvPr id="3" name="文本框 2"/>
@@ -5331,6 +5320,7 @@
               </a:bodyPr>
               <a:lstStyle/>
               <a:p>
+                <a:pPr/>
                 <a14:m>
                   <m:oMathPara xmlns:m="http://schemas.openxmlformats.org/officeDocument/2006/math">
                     <m:oMathParaPr>
@@ -5412,7 +5402,7 @@
             </p:txBody>
           </p:sp>
         </mc:Choice>
-        <mc:Fallback>
+        <mc:Fallback xmlns="">
           <p:sp>
             <p:nvSpPr>
               <p:cNvPr id="3" name="文本框 2"/>

--- a/转移熵.pptx
+++ b/转移熵.pptx
@@ -253,7 +253,7 @@
           <a:p>
             <a:fld id="{69F2C009-255A-4E59-A1AF-823DD11320F1}" type="datetimeFigureOut">
               <a:rPr lang="zh-CN" altLang="en-US" smtClean="0"/>
-              <a:t>2017/10/12</a:t>
+              <a:t>2017/10/14</a:t>
             </a:fld>
             <a:endParaRPr lang="zh-CN" altLang="en-US"/>
           </a:p>
@@ -2083,14 +2083,7 @@
                 <a:latin typeface="微软雅黑" panose="020B0503020204020204" pitchFamily="34" charset="-122"/>
                 <a:ea typeface="微软雅黑" panose="020B0503020204020204" pitchFamily="34" charset="-122"/>
               </a:rPr>
-              <a:t>香农信息熵</a:t>
-            </a:r>
-            <a:r>
-              <a:rPr lang="zh-CN" altLang="en-US" sz="2400" dirty="0" smtClean="0">
-                <a:latin typeface="微软雅黑" panose="020B0503020204020204" pitchFamily="34" charset="-122"/>
-                <a:ea typeface="微软雅黑" panose="020B0503020204020204" pitchFamily="34" charset="-122"/>
-              </a:rPr>
-              <a:t>：</a:t>
+              <a:t>香农信息熵：</a:t>
             </a:r>
             <a:endParaRPr lang="en-US" altLang="zh-CN" sz="2400" dirty="0" smtClean="0">
               <a:latin typeface="微软雅黑" panose="020B0503020204020204" pitchFamily="34" charset="-122"/>
@@ -3229,14 +3222,7 @@
                 <a:latin typeface="微软雅黑" panose="020B0503020204020204" pitchFamily="34" charset="-122"/>
                 <a:ea typeface="微软雅黑" panose="020B0503020204020204" pitchFamily="34" charset="-122"/>
               </a:rPr>
-              <a:t>互信息</a:t>
-            </a:r>
-            <a:r>
-              <a:rPr lang="zh-CN" altLang="en-US" sz="2400" dirty="0" smtClean="0">
-                <a:latin typeface="微软雅黑" panose="020B0503020204020204" pitchFamily="34" charset="-122"/>
-                <a:ea typeface="微软雅黑" panose="020B0503020204020204" pitchFamily="34" charset="-122"/>
-              </a:rPr>
-              <a:t>对称</a:t>
+              <a:t>互信息对称</a:t>
             </a:r>
             <a:endParaRPr lang="en-US" altLang="zh-CN" sz="2400" dirty="0">
               <a:latin typeface="微软雅黑" panose="020B0503020204020204" pitchFamily="34" charset="-122"/>
@@ -3560,10 +3546,6 @@
               </a:rPr>
               <a:t>     </a:t>
             </a:r>
-            <a:endParaRPr lang="en-US" altLang="zh-CN" sz="2800" dirty="0" smtClean="0">
-              <a:latin typeface="微软雅黑" panose="020B0503020204020204" pitchFamily="34" charset="-122"/>
-              <a:ea typeface="微软雅黑" panose="020B0503020204020204" pitchFamily="34" charset="-122"/>
-            </a:endParaRPr>
           </a:p>
           <a:p>
             <a:r>
@@ -4353,8 +4335,8 @@
           <a:chExt cx="0" cy="0"/>
         </a:xfrm>
       </p:grpSpPr>
-      <mc:AlternateContent xmlns:mc="http://schemas.openxmlformats.org/markup-compatibility/2006">
-        <mc:Choice xmlns:a14="http://schemas.microsoft.com/office/drawing/2010/main" Requires="a14">
+      <mc:AlternateContent xmlns:mc="http://schemas.openxmlformats.org/markup-compatibility/2006" xmlns:a14="http://schemas.microsoft.com/office/drawing/2010/main">
+        <mc:Choice Requires="a14">
           <p:sp>
             <p:nvSpPr>
               <p:cNvPr id="3" name="文本框 2"/>
@@ -4450,14 +4432,7 @@
                     <a:latin typeface="微软雅黑" panose="020B0503020204020204" pitchFamily="34" charset="-122"/>
                     <a:ea typeface="微软雅黑" panose="020B0503020204020204" pitchFamily="34" charset="-122"/>
                   </a:rPr>
-                  <a:t>核</a:t>
-                </a:r>
-                <a:r>
-                  <a:rPr lang="zh-CN" altLang="en-US" sz="2400" dirty="0" smtClean="0">
-                    <a:latin typeface="微软雅黑" panose="020B0503020204020204" pitchFamily="34" charset="-122"/>
-                    <a:ea typeface="微软雅黑" panose="020B0503020204020204" pitchFamily="34" charset="-122"/>
-                  </a:rPr>
-                  <a:t>密度估计</a:t>
+                  <a:t>核密度估计</a:t>
                 </a:r>
                 <a:endParaRPr lang="en-US" altLang="zh-CN" sz="2400" dirty="0" smtClean="0">
                   <a:latin typeface="微软雅黑" panose="020B0503020204020204" pitchFamily="34" charset="-122"/>
@@ -4491,7 +4466,7 @@
             </p:txBody>
           </p:sp>
         </mc:Choice>
-        <mc:Fallback>
+        <mc:Fallback xmlns="">
           <p:sp>
             <p:nvSpPr>
               <p:cNvPr id="3" name="文本框 2"/>

--- a/转移熵.pptx
+++ b/转移熵.pptx
@@ -253,7 +253,7 @@
           <a:p>
             <a:fld id="{69F2C009-255A-4E59-A1AF-823DD11320F1}" type="datetimeFigureOut">
               <a:rPr lang="zh-CN" altLang="en-US" smtClean="0"/>
-              <a:t>2017/10/14</a:t>
+              <a:t>2017/10/15</a:t>
             </a:fld>
             <a:endParaRPr lang="zh-CN" altLang="en-US"/>
           </a:p>
@@ -1788,8 +1788,8 @@
         </p:nvSpPr>
         <p:spPr>
           <a:xfrm>
-            <a:off x="671687" y="2604774"/>
-            <a:ext cx="14162315" cy="5262979"/>
+            <a:off x="671685" y="2072512"/>
+            <a:ext cx="14162315" cy="7294305"/>
           </a:xfrm>
           <a:prstGeom prst="rect">
             <a:avLst/>
@@ -1802,14 +1802,31 @@
           </a:bodyPr>
           <a:lstStyle/>
           <a:p>
-            <a:r>
-              <a:rPr lang="zh-CN" altLang="en-US" sz="3600" dirty="0" smtClean="0">
-                <a:latin typeface="微软雅黑" panose="020B0503020204020204" pitchFamily="34" charset="-122"/>
-                <a:ea typeface="微软雅黑" panose="020B0503020204020204" pitchFamily="34" charset="-122"/>
-              </a:rPr>
-              <a:t>概述：</a:t>
-            </a:r>
+            <a:endParaRPr lang="en-US" altLang="zh-CN" sz="3600" dirty="0">
+              <a:latin typeface="微软雅黑" panose="020B0503020204020204" pitchFamily="34" charset="-122"/>
+              <a:ea typeface="微软雅黑" panose="020B0503020204020204" pitchFamily="34" charset="-122"/>
+            </a:endParaRPr>
+          </a:p>
+          <a:p>
             <a:endParaRPr lang="en-US" altLang="zh-CN" sz="3600" dirty="0" smtClean="0">
+              <a:latin typeface="微软雅黑" panose="020B0503020204020204" pitchFamily="34" charset="-122"/>
+              <a:ea typeface="微软雅黑" panose="020B0503020204020204" pitchFamily="34" charset="-122"/>
+            </a:endParaRPr>
+          </a:p>
+          <a:p>
+            <a:endParaRPr lang="en-US" altLang="zh-CN" sz="3600" dirty="0">
+              <a:latin typeface="微软雅黑" panose="020B0503020204020204" pitchFamily="34" charset="-122"/>
+              <a:ea typeface="微软雅黑" panose="020B0503020204020204" pitchFamily="34" charset="-122"/>
+            </a:endParaRPr>
+          </a:p>
+          <a:p>
+            <a:endParaRPr lang="en-US" altLang="zh-CN" sz="3600" dirty="0" smtClean="0">
+              <a:latin typeface="微软雅黑" panose="020B0503020204020204" pitchFamily="34" charset="-122"/>
+              <a:ea typeface="微软雅黑" panose="020B0503020204020204" pitchFamily="34" charset="-122"/>
+            </a:endParaRPr>
+          </a:p>
+          <a:p>
+            <a:endParaRPr lang="en-US" altLang="zh-CN" sz="3600" dirty="0">
               <a:latin typeface="微软雅黑" panose="020B0503020204020204" pitchFamily="34" charset="-122"/>
               <a:ea typeface="微软雅黑" panose="020B0503020204020204" pitchFamily="34" charset="-122"/>
             </a:endParaRPr>
@@ -1829,12 +1846,33 @@
                 <a:spcPct val="0"/>
               </a:spcAft>
             </a:pPr>
+            <a:endParaRPr lang="en-US" altLang="zh-CN" sz="2400" dirty="0" smtClean="0">
+              <a:latin typeface="微软雅黑" panose="020B0503020204020204" pitchFamily="34" charset="-122"/>
+              <a:ea typeface="微软雅黑" panose="020B0503020204020204" pitchFamily="34" charset="-122"/>
+            </a:endParaRPr>
+          </a:p>
+          <a:p>
+            <a:pPr lvl="0" eaLnBrk="0" fontAlgn="base" hangingPunct="0">
+              <a:spcBef>
+                <a:spcPct val="0"/>
+              </a:spcBef>
+              <a:spcAft>
+                <a:spcPct val="0"/>
+              </a:spcAft>
+            </a:pPr>
+            <a:r>
+              <a:rPr lang="zh-CN" altLang="zh-CN" sz="2400" dirty="0" smtClean="0">
+                <a:latin typeface="微软雅黑" panose="020B0503020204020204" pitchFamily="34" charset="-122"/>
+                <a:ea typeface="微软雅黑" panose="020B0503020204020204" pitchFamily="34" charset="-122"/>
+              </a:rPr>
+              <a:t>在</a:t>
+            </a:r>
             <a:r>
               <a:rPr lang="zh-CN" altLang="zh-CN" sz="2400" dirty="0">
                 <a:latin typeface="微软雅黑" panose="020B0503020204020204" pitchFamily="34" charset="-122"/>
                 <a:ea typeface="微软雅黑" panose="020B0503020204020204" pitchFamily="34" charset="-122"/>
               </a:rPr>
-              <a:t>在统计学中，我们使用概率来表征事件的可能性，使用条件概率，联合概率等来衡量不同随机变量之间的关系。在信息论中，我们使用香农熵来衡量一个事件或者系统所包含的信息量得多少，或者是不确定度的大小，使用互信息来在一定程度上表征两个系统之间的不确定度或者信息量的</a:t>
+              <a:t>统计学中，我们使用概率来表征事件的可能性，使用条件概率，联合概率等来衡量不同随机变量之间的关系。在信息论中，我们使用香农熵来衡量一个事件或者系统所包含的信息量得多少，或者是不确定度的大小，使用互信息来在一定程度上表征两个系统之间的不确定度或者信息量的</a:t>
             </a:r>
             <a:r>
               <a:rPr lang="zh-CN" altLang="zh-CN" sz="2400" dirty="0" smtClean="0">
@@ -1899,10 +1937,48 @@
                 <a:spcPct val="0"/>
               </a:spcAft>
             </a:pPr>
-            <a:endParaRPr lang="zh-CN" altLang="zh-CN" sz="3600" dirty="0">
-              <a:latin typeface="微软雅黑" panose="020B0503020204020204" pitchFamily="34" charset="-122"/>
-              <a:ea typeface="微软雅黑" panose="020B0503020204020204" pitchFamily="34" charset="-122"/>
-            </a:endParaRPr>
+            <a:r>
+              <a:rPr lang="zh-CN" altLang="zh-CN" sz="2400" dirty="0" smtClean="0">
+                <a:latin typeface="微软雅黑" panose="020B0503020204020204" pitchFamily="34" charset="-122"/>
+                <a:ea typeface="微软雅黑" panose="020B0503020204020204" pitchFamily="34" charset="-122"/>
+              </a:rPr>
+              <a:t>互信息</a:t>
+            </a:r>
+            <a:r>
+              <a:rPr lang="zh-CN" altLang="zh-CN" sz="2400" dirty="0">
+                <a:latin typeface="微软雅黑" panose="020B0503020204020204" pitchFamily="34" charset="-122"/>
+                <a:ea typeface="微软雅黑" panose="020B0503020204020204" pitchFamily="34" charset="-122"/>
+              </a:rPr>
+              <a:t>是对称的，它不包含任何方向</a:t>
+            </a:r>
+            <a:r>
+              <a:rPr lang="zh-CN" altLang="zh-CN" sz="2400" dirty="0" smtClean="0">
+                <a:latin typeface="微软雅黑" panose="020B0503020204020204" pitchFamily="34" charset="-122"/>
+                <a:ea typeface="微软雅黑" panose="020B0503020204020204" pitchFamily="34" charset="-122"/>
+              </a:rPr>
+              <a:t>信息</a:t>
+            </a:r>
+            <a:r>
+              <a:rPr lang="zh-CN" altLang="en-US" sz="2400" dirty="0" smtClean="0">
+                <a:latin typeface="微软雅黑" panose="020B0503020204020204" pitchFamily="34" charset="-122"/>
+                <a:ea typeface="微软雅黑" panose="020B0503020204020204" pitchFamily="34" charset="-122"/>
+              </a:rPr>
+              <a:t>，也不包含任何历史信息</a:t>
+            </a:r>
+            <a:r>
+              <a:rPr lang="zh-CN" altLang="zh-CN" sz="2400" dirty="0" smtClean="0">
+                <a:latin typeface="微软雅黑" panose="020B0503020204020204" pitchFamily="34" charset="-122"/>
+                <a:ea typeface="微软雅黑" panose="020B0503020204020204" pitchFamily="34" charset="-122"/>
+              </a:rPr>
+              <a:t>。</a:t>
+            </a:r>
+            <a:r>
+              <a:rPr lang="zh-CN" altLang="zh-CN" sz="2400" dirty="0">
+                <a:latin typeface="微软雅黑" panose="020B0503020204020204" pitchFamily="34" charset="-122"/>
+                <a:ea typeface="微软雅黑" panose="020B0503020204020204" pitchFamily="34" charset="-122"/>
+              </a:rPr>
+              <a:t>也提出过使用包含了延迟因子的互信息来让它携带一定的方向信息，但是这个并不能揭示任何底层原理，而更类似于一种技术手段。</a:t>
+            </a:r>
           </a:p>
           <a:p>
             <a:pPr lvl="0" eaLnBrk="0" fontAlgn="base" hangingPunct="0">
@@ -1914,30 +1990,6 @@
               </a:spcAft>
             </a:pPr>
             <a:r>
-              <a:rPr lang="zh-CN" altLang="zh-CN" sz="2400" dirty="0" smtClean="0">
-                <a:latin typeface="微软雅黑" panose="020B0503020204020204" pitchFamily="34" charset="-122"/>
-                <a:ea typeface="微软雅黑" panose="020B0503020204020204" pitchFamily="34" charset="-122"/>
-              </a:rPr>
-              <a:t>互信息</a:t>
-            </a:r>
-            <a:r>
-              <a:rPr lang="zh-CN" altLang="zh-CN" sz="2400" dirty="0">
-                <a:latin typeface="微软雅黑" panose="020B0503020204020204" pitchFamily="34" charset="-122"/>
-                <a:ea typeface="微软雅黑" panose="020B0503020204020204" pitchFamily="34" charset="-122"/>
-              </a:rPr>
-              <a:t>是对称的，它不包含任何方向信息。也提出过使用包含了延迟因子的互信息来让它携带一定的方向信息，但是这个并不能揭示任何底层原理，而更类似于一种技术手段。</a:t>
-            </a:r>
-          </a:p>
-          <a:p>
-            <a:pPr lvl="0" eaLnBrk="0" fontAlgn="base" hangingPunct="0">
-              <a:spcBef>
-                <a:spcPct val="0"/>
-              </a:spcBef>
-              <a:spcAft>
-                <a:spcPct val="0"/>
-              </a:spcAft>
-            </a:pPr>
-            <a:r>
               <a:rPr lang="zh-CN" altLang="zh-CN" sz="2400" dirty="0">
                 <a:latin typeface="微软雅黑" panose="020B0503020204020204" pitchFamily="34" charset="-122"/>
                 <a:ea typeface="微软雅黑" panose="020B0503020204020204" pitchFamily="34" charset="-122"/>
@@ -2000,6 +2052,46 @@
           </a:p>
         </p:txBody>
       </p:sp>
+      <p:pic>
+        <p:nvPicPr>
+          <p:cNvPr id="4" name="图片 3"/>
+          <p:cNvPicPr>
+            <a:picLocks noChangeAspect="1"/>
+          </p:cNvPicPr>
+          <p:nvPr/>
+        </p:nvPicPr>
+        <p:blipFill>
+          <a:blip r:embed="rId2">
+            <a:clrChange>
+              <a:clrFrom>
+                <a:srgbClr val="FFFFFF"/>
+              </a:clrFrom>
+              <a:clrTo>
+                <a:srgbClr val="FFFFFF">
+                  <a:alpha val="0"/>
+                </a:srgbClr>
+              </a:clrTo>
+            </a:clrChange>
+            <a:extLst>
+              <a:ext uri="{28A0092B-C50C-407E-A947-70E740481C1C}">
+                <a14:useLocalDpi xmlns:a14="http://schemas.microsoft.com/office/drawing/2010/main" val="0"/>
+              </a:ext>
+            </a:extLst>
+          </a:blip>
+          <a:stretch>
+            <a:fillRect/>
+          </a:stretch>
+        </p:blipFill>
+        <p:spPr>
+          <a:xfrm>
+            <a:off x="485367" y="1758614"/>
+            <a:ext cx="13852562" cy="3708074"/>
+          </a:xfrm>
+          <a:prstGeom prst="rect">
+            <a:avLst/>
+          </a:prstGeom>
+        </p:spPr>
+      </p:pic>
     </p:spTree>
     <p:extLst>
       <p:ext uri="{BB962C8B-B14F-4D97-AF65-F5344CB8AC3E}">

--- a/转移熵.pptx
+++ b/转移熵.pptx
@@ -255,7 +255,7 @@
           <a:p>
             <a:fld id="{69F2C009-255A-4E59-A1AF-823DD11320F1}" type="datetimeFigureOut">
               <a:rPr lang="zh-CN" altLang="en-US" smtClean="0"/>
-              <a:t>2017/10/20</a:t>
+              <a:t>2017/12/17</a:t>
             </a:fld>
             <a:endParaRPr lang="zh-CN" altLang="en-US"/>
           </a:p>
@@ -524,7 +524,7 @@
 </file>
 
 <file path=ppt/slideLayouts/slideLayout1.xml><?xml version="1.0" encoding="utf-8"?>
-<p:sldLayout xmlns:a="http://schemas.openxmlformats.org/drawingml/2006/main" xmlns:r="http://schemas.openxmlformats.org/officeDocument/2006/relationships" xmlns:p="http://schemas.openxmlformats.org/presentationml/2006/main" preserve="1" userDrawn="1">
+<p:sldLayout xmlns:a="http://schemas.openxmlformats.org/drawingml/2006/main" xmlns:r="http://schemas.openxmlformats.org/officeDocument/2006/relationships" xmlns:p="http://schemas.openxmlformats.org/presentationml/2006/main" showMasterSp="0" preserve="1" userDrawn="1">
   <p:cSld name="Title Slide">
     <p:spTree>
       <p:nvGrpSpPr>
@@ -589,7 +589,7 @@
 </file>
 
 <file path=ppt/slideLayouts/slideLayout2.xml><?xml version="1.0" encoding="utf-8"?>
-<p:sldLayout xmlns:a="http://schemas.openxmlformats.org/drawingml/2006/main" xmlns:r="http://schemas.openxmlformats.org/officeDocument/2006/relationships" xmlns:p="http://schemas.openxmlformats.org/presentationml/2006/main" preserve="1" userDrawn="1">
+<p:sldLayout xmlns:a="http://schemas.openxmlformats.org/drawingml/2006/main" xmlns:r="http://schemas.openxmlformats.org/officeDocument/2006/relationships" xmlns:p="http://schemas.openxmlformats.org/presentationml/2006/main" showMasterSp="0" preserve="1" userDrawn="1">
   <p:cSld name="Two Content">
     <p:spTree>
       <p:nvGrpSpPr>
@@ -621,7 +621,7 @@
 </file>
 
 <file path=ppt/slideLayouts/slideLayout3.xml><?xml version="1.0" encoding="utf-8"?>
-<p:sldLayout xmlns:a="http://schemas.openxmlformats.org/drawingml/2006/main" xmlns:r="http://schemas.openxmlformats.org/officeDocument/2006/relationships" xmlns:p="http://schemas.openxmlformats.org/presentationml/2006/main" preserve="1" userDrawn="1">
+<p:sldLayout xmlns:a="http://schemas.openxmlformats.org/drawingml/2006/main" xmlns:r="http://schemas.openxmlformats.org/officeDocument/2006/relationships" xmlns:p="http://schemas.openxmlformats.org/presentationml/2006/main" showMasterSp="0" preserve="1" userDrawn="1">
   <p:cSld name="Title Only">
     <p:spTree>
       <p:nvGrpSpPr>
@@ -646,7 +646,7 @@
 </file>
 
 <file path=ppt/slideLayouts/slideLayout4.xml><?xml version="1.0" encoding="utf-8"?>
-<p:sldLayout xmlns:a="http://schemas.openxmlformats.org/drawingml/2006/main" xmlns:r="http://schemas.openxmlformats.org/officeDocument/2006/relationships" xmlns:p="http://schemas.openxmlformats.org/presentationml/2006/main" type="obj" preserve="1">
+<p:sldLayout xmlns:a="http://schemas.openxmlformats.org/drawingml/2006/main" xmlns:r="http://schemas.openxmlformats.org/officeDocument/2006/relationships" xmlns:p="http://schemas.openxmlformats.org/presentationml/2006/main" showMasterSp="0" type="obj" preserve="1">
   <p:cSld name="Blank">
     <p:spTree>
       <p:nvGrpSpPr>
@@ -671,7 +671,7 @@
 </file>
 
 <file path=ppt/slideLayouts/slideLayout5.xml><?xml version="1.0" encoding="utf-8"?>
-<p:sldLayout xmlns:a="http://schemas.openxmlformats.org/drawingml/2006/main" xmlns:r="http://schemas.openxmlformats.org/officeDocument/2006/relationships" xmlns:p="http://schemas.openxmlformats.org/presentationml/2006/main" preserve="1" userDrawn="1">
+<p:sldLayout xmlns:a="http://schemas.openxmlformats.org/drawingml/2006/main" xmlns:r="http://schemas.openxmlformats.org/officeDocument/2006/relationships" xmlns:p="http://schemas.openxmlformats.org/presentationml/2006/main" showMasterSp="0" preserve="1" userDrawn="1">
   <p:cSld name="Title and Content">
     <p:spTree>
       <p:nvGrpSpPr>
@@ -929,7 +929,7 @@
 </file>
 
 <file path=ppt/slides/slide1.xml><?xml version="1.0" encoding="utf-8"?>
-<p:sld xmlns:a="http://schemas.openxmlformats.org/drawingml/2006/main" xmlns:r="http://schemas.openxmlformats.org/officeDocument/2006/relationships" xmlns:p="http://schemas.openxmlformats.org/presentationml/2006/main">
+<p:sld xmlns:a="http://schemas.openxmlformats.org/drawingml/2006/main" xmlns:r="http://schemas.openxmlformats.org/officeDocument/2006/relationships" xmlns:p="http://schemas.openxmlformats.org/presentationml/2006/main" showMasterSp="0">
   <p:cSld>
     <p:spTree>
       <p:nvGrpSpPr>
@@ -947,342 +947,6 @@
       </p:grpSpPr>
       <p:sp>
         <p:nvSpPr>
-          <p:cNvPr id="1029" name="Freeform 5"/>
-          <p:cNvSpPr>
-            <a:spLocks/>
-          </p:cNvSpPr>
-          <p:nvPr/>
-        </p:nvSpPr>
-        <p:spPr bwMode="auto">
-          <a:xfrm>
-            <a:off x="5340516" y="1410841"/>
-            <a:ext cx="3336482" cy="3513905"/>
-          </a:xfrm>
-          <a:custGeom>
-            <a:avLst/>
-            <a:gdLst/>
-            <a:ahLst/>
-            <a:cxnLst>
-              <a:cxn ang="0">
-                <a:pos x="0" y="1673"/>
-              </a:cxn>
-              <a:cxn ang="0">
-                <a:pos x="2802" y="2951"/>
-              </a:cxn>
-              <a:cxn ang="0">
-                <a:pos x="1743" y="0"/>
-              </a:cxn>
-              <a:cxn ang="0">
-                <a:pos x="1390" y="0"/>
-              </a:cxn>
-              <a:cxn ang="0">
-                <a:pos x="0" y="1673"/>
-              </a:cxn>
-            </a:cxnLst>
-            <a:rect l="0" t="0" r="r" b="b"/>
-            <a:pathLst>
-              <a:path w="2802" h="2951">
-                <a:moveTo>
-                  <a:pt x="0" y="1673"/>
-                </a:moveTo>
-                <a:lnTo>
-                  <a:pt x="2802" y="2951"/>
-                </a:lnTo>
-                <a:lnTo>
-                  <a:pt x="1743" y="0"/>
-                </a:lnTo>
-                <a:lnTo>
-                  <a:pt x="1390" y="0"/>
-                </a:lnTo>
-                <a:lnTo>
-                  <a:pt x="0" y="1673"/>
-                </a:lnTo>
-                <a:close/>
-              </a:path>
-            </a:pathLst>
-          </a:custGeom>
-          <a:solidFill>
-            <a:srgbClr val="48B39D"/>
-          </a:solidFill>
-          <a:ln w="9525">
-            <a:noFill/>
-            <a:round/>
-            <a:headEnd/>
-            <a:tailEnd/>
-          </a:ln>
-        </p:spPr>
-        <p:txBody>
-          <a:bodyPr vert="horz" wrap="square" lIns="68587" tIns="34294" rIns="68587" bIns="34294" numCol="1" anchor="t" anchorCtr="0" compatLnSpc="1">
-            <a:prstTxWarp prst="textNoShape">
-              <a:avLst/>
-            </a:prstTxWarp>
-          </a:bodyPr>
-          <a:lstStyle/>
-          <a:p>
-            <a:endParaRPr lang="ru-RU" sz="1350"/>
-          </a:p>
-        </p:txBody>
-      </p:sp>
-      <p:sp>
-        <p:nvSpPr>
-          <p:cNvPr id="1030" name="Freeform 6"/>
-          <p:cNvSpPr>
-            <a:spLocks/>
-          </p:cNvSpPr>
-          <p:nvPr/>
-        </p:nvSpPr>
-        <p:spPr bwMode="auto">
-          <a:xfrm>
-            <a:off x="2381" y="3405347"/>
-            <a:ext cx="8674617" cy="6490781"/>
-          </a:xfrm>
-          <a:custGeom>
-            <a:avLst/>
-            <a:gdLst/>
-            <a:ahLst/>
-            <a:cxnLst>
-              <a:cxn ang="0">
-                <a:pos x="4483" y="0"/>
-              </a:cxn>
-              <a:cxn ang="0">
-                <a:pos x="219" y="5125"/>
-              </a:cxn>
-              <a:cxn ang="0">
-                <a:pos x="0" y="5389"/>
-              </a:cxn>
-              <a:cxn ang="0">
-                <a:pos x="0" y="5451"/>
-              </a:cxn>
-              <a:cxn ang="0">
-                <a:pos x="5575" y="5451"/>
-              </a:cxn>
-              <a:cxn ang="0">
-                <a:pos x="5709" y="5125"/>
-              </a:cxn>
-              <a:cxn ang="0">
-                <a:pos x="7285" y="1278"/>
-              </a:cxn>
-              <a:cxn ang="0">
-                <a:pos x="4483" y="0"/>
-              </a:cxn>
-            </a:cxnLst>
-            <a:rect l="0" t="0" r="r" b="b"/>
-            <a:pathLst>
-              <a:path w="7285" h="5451">
-                <a:moveTo>
-                  <a:pt x="4483" y="0"/>
-                </a:moveTo>
-                <a:lnTo>
-                  <a:pt x="219" y="5125"/>
-                </a:lnTo>
-                <a:lnTo>
-                  <a:pt x="0" y="5389"/>
-                </a:lnTo>
-                <a:lnTo>
-                  <a:pt x="0" y="5451"/>
-                </a:lnTo>
-                <a:lnTo>
-                  <a:pt x="5575" y="5451"/>
-                </a:lnTo>
-                <a:lnTo>
-                  <a:pt x="5709" y="5125"/>
-                </a:lnTo>
-                <a:lnTo>
-                  <a:pt x="7285" y="1278"/>
-                </a:lnTo>
-                <a:lnTo>
-                  <a:pt x="4483" y="0"/>
-                </a:lnTo>
-                <a:close/>
-              </a:path>
-            </a:pathLst>
-          </a:custGeom>
-          <a:solidFill>
-            <a:srgbClr val="38A1A0"/>
-          </a:solidFill>
-          <a:ln w="9525">
-            <a:noFill/>
-            <a:round/>
-            <a:headEnd/>
-            <a:tailEnd/>
-          </a:ln>
-        </p:spPr>
-        <p:txBody>
-          <a:bodyPr vert="horz" wrap="square" lIns="68587" tIns="34294" rIns="68587" bIns="34294" numCol="1" anchor="t" anchorCtr="0" compatLnSpc="1">
-            <a:prstTxWarp prst="textNoShape">
-              <a:avLst/>
-            </a:prstTxWarp>
-          </a:bodyPr>
-          <a:lstStyle/>
-          <a:p>
-            <a:endParaRPr lang="ru-RU" sz="1350"/>
-          </a:p>
-        </p:txBody>
-      </p:sp>
-      <p:sp>
-        <p:nvSpPr>
-          <p:cNvPr id="1031" name="Freeform 7"/>
-          <p:cNvSpPr>
-            <a:spLocks/>
-          </p:cNvSpPr>
-          <p:nvPr/>
-        </p:nvSpPr>
-        <p:spPr bwMode="auto">
-          <a:xfrm>
-            <a:off x="976416" y="1410841"/>
-            <a:ext cx="6019243" cy="1992126"/>
-          </a:xfrm>
-          <a:custGeom>
-            <a:avLst/>
-            <a:gdLst/>
-            <a:ahLst/>
-            <a:cxnLst>
-              <a:cxn ang="0">
-                <a:pos x="3665" y="1673"/>
-              </a:cxn>
-              <a:cxn ang="0">
-                <a:pos x="5055" y="0"/>
-              </a:cxn>
-              <a:cxn ang="0">
-                <a:pos x="0" y="0"/>
-              </a:cxn>
-              <a:cxn ang="0">
-                <a:pos x="3665" y="1673"/>
-              </a:cxn>
-            </a:cxnLst>
-            <a:rect l="0" t="0" r="r" b="b"/>
-            <a:pathLst>
-              <a:path w="5055" h="1673">
-                <a:moveTo>
-                  <a:pt x="3665" y="1673"/>
-                </a:moveTo>
-                <a:lnTo>
-                  <a:pt x="5055" y="0"/>
-                </a:lnTo>
-                <a:lnTo>
-                  <a:pt x="0" y="0"/>
-                </a:lnTo>
-                <a:lnTo>
-                  <a:pt x="3665" y="1673"/>
-                </a:lnTo>
-                <a:close/>
-              </a:path>
-            </a:pathLst>
-          </a:custGeom>
-          <a:solidFill>
-            <a:srgbClr val="38A39A"/>
-          </a:solidFill>
-          <a:ln w="9525">
-            <a:noFill/>
-            <a:round/>
-            <a:headEnd/>
-            <a:tailEnd/>
-          </a:ln>
-        </p:spPr>
-        <p:txBody>
-          <a:bodyPr vert="horz" wrap="square" lIns="68587" tIns="34294" rIns="68587" bIns="34294" numCol="1" anchor="t" anchorCtr="0" compatLnSpc="1">
-            <a:prstTxWarp prst="textNoShape">
-              <a:avLst/>
-            </a:prstTxWarp>
-          </a:bodyPr>
-          <a:lstStyle/>
-          <a:p>
-            <a:endParaRPr lang="ru-RU" sz="1350"/>
-          </a:p>
-        </p:txBody>
-      </p:sp>
-      <p:sp>
-        <p:nvSpPr>
-          <p:cNvPr id="1032" name="Freeform 8"/>
-          <p:cNvSpPr>
-            <a:spLocks/>
-          </p:cNvSpPr>
-          <p:nvPr/>
-        </p:nvSpPr>
-        <p:spPr bwMode="auto">
-          <a:xfrm>
-            <a:off x="2382" y="1410841"/>
-            <a:ext cx="5338134" cy="8409079"/>
-          </a:xfrm>
-          <a:custGeom>
-            <a:avLst/>
-            <a:gdLst/>
-            <a:ahLst/>
-            <a:cxnLst>
-              <a:cxn ang="0">
-                <a:pos x="818" y="0"/>
-              </a:cxn>
-              <a:cxn ang="0">
-                <a:pos x="0" y="0"/>
-              </a:cxn>
-              <a:cxn ang="0">
-                <a:pos x="0" y="6798"/>
-              </a:cxn>
-              <a:cxn ang="0">
-                <a:pos x="0" y="7062"/>
-              </a:cxn>
-              <a:cxn ang="0">
-                <a:pos x="219" y="6798"/>
-              </a:cxn>
-              <a:cxn ang="0">
-                <a:pos x="4483" y="1673"/>
-              </a:cxn>
-              <a:cxn ang="0">
-                <a:pos x="818" y="0"/>
-              </a:cxn>
-            </a:cxnLst>
-            <a:rect l="0" t="0" r="r" b="b"/>
-            <a:pathLst>
-              <a:path w="4483" h="7062">
-                <a:moveTo>
-                  <a:pt x="818" y="0"/>
-                </a:moveTo>
-                <a:lnTo>
-                  <a:pt x="0" y="0"/>
-                </a:lnTo>
-                <a:lnTo>
-                  <a:pt x="0" y="6798"/>
-                </a:lnTo>
-                <a:lnTo>
-                  <a:pt x="0" y="7062"/>
-                </a:lnTo>
-                <a:lnTo>
-                  <a:pt x="219" y="6798"/>
-                </a:lnTo>
-                <a:lnTo>
-                  <a:pt x="4483" y="1673"/>
-                </a:lnTo>
-                <a:lnTo>
-                  <a:pt x="818" y="0"/>
-                </a:lnTo>
-                <a:close/>
-              </a:path>
-            </a:pathLst>
-          </a:custGeom>
-          <a:solidFill>
-            <a:srgbClr val="31939A"/>
-          </a:solidFill>
-          <a:ln w="9525">
-            <a:noFill/>
-            <a:round/>
-            <a:headEnd/>
-            <a:tailEnd/>
-          </a:ln>
-        </p:spPr>
-        <p:txBody>
-          <a:bodyPr vert="horz" wrap="square" lIns="68587" tIns="34294" rIns="68587" bIns="34294" numCol="1" anchor="t" anchorCtr="0" compatLnSpc="1">
-            <a:prstTxWarp prst="textNoShape">
-              <a:avLst/>
-            </a:prstTxWarp>
-          </a:bodyPr>
-          <a:lstStyle/>
-          <a:p>
-            <a:endParaRPr lang="ru-RU" sz="1350"/>
-          </a:p>
-        </p:txBody>
-      </p:sp>
-      <p:sp>
-        <p:nvSpPr>
           <p:cNvPr id="15" name="标题 1"/>
           <p:cNvSpPr txBox="1">
             <a:spLocks/>
@@ -1312,18 +976,12 @@
           <a:p>
             <a:r>
               <a:rPr lang="en-US" altLang="zh-CN" sz="4800" kern="0" dirty="0" smtClean="0">
-                <a:solidFill>
-                  <a:schemeClr val="bg2"/>
-                </a:solidFill>
                 <a:latin typeface="微软雅黑" panose="020B0503020204020204" pitchFamily="34" charset="-122"/>
                 <a:ea typeface="微软雅黑" panose="020B0503020204020204" pitchFamily="34" charset="-122"/>
               </a:rPr>
               <a:t>Measuring Information Transfer</a:t>
             </a:r>
             <a:endParaRPr lang="zh-CN" altLang="en-US" sz="4800" kern="0" dirty="0">
-              <a:solidFill>
-                <a:schemeClr val="bg2"/>
-              </a:solidFill>
               <a:latin typeface="微软雅黑" panose="020B0503020204020204" pitchFamily="34" charset="-122"/>
               <a:ea typeface="微软雅黑" panose="020B0503020204020204" pitchFamily="34" charset="-122"/>
             </a:endParaRPr>
@@ -1470,7 +1128,7 @@
 </file>
 
 <file path=ppt/slides/slide10.xml><?xml version="1.0" encoding="utf-8"?>
-<p:sld xmlns:a="http://schemas.openxmlformats.org/drawingml/2006/main" xmlns:r="http://schemas.openxmlformats.org/officeDocument/2006/relationships" xmlns:p="http://schemas.openxmlformats.org/presentationml/2006/main">
+<p:sld xmlns:a="http://schemas.openxmlformats.org/drawingml/2006/main" xmlns:r="http://schemas.openxmlformats.org/officeDocument/2006/relationships" xmlns:p="http://schemas.openxmlformats.org/presentationml/2006/main" showMasterSp="0">
   <p:cSld>
     <p:spTree>
       <p:nvGrpSpPr>
@@ -1892,7 +1550,7 @@
 </file>
 
 <file path=ppt/slides/slide11.xml><?xml version="1.0" encoding="utf-8"?>
-<p:sld xmlns:a="http://schemas.openxmlformats.org/drawingml/2006/main" xmlns:r="http://schemas.openxmlformats.org/officeDocument/2006/relationships" xmlns:p="http://schemas.openxmlformats.org/presentationml/2006/main">
+<p:sld xmlns:a="http://schemas.openxmlformats.org/drawingml/2006/main" xmlns:r="http://schemas.openxmlformats.org/officeDocument/2006/relationships" xmlns:p="http://schemas.openxmlformats.org/presentationml/2006/main" showMasterSp="0">
   <p:cSld>
     <p:spTree>
       <p:nvGrpSpPr>
@@ -2108,7 +1766,7 @@
 </file>
 
 <file path=ppt/slides/slide12.xml><?xml version="1.0" encoding="utf-8"?>
-<p:sld xmlns:a="http://schemas.openxmlformats.org/drawingml/2006/main" xmlns:r="http://schemas.openxmlformats.org/officeDocument/2006/relationships" xmlns:p="http://schemas.openxmlformats.org/presentationml/2006/main">
+<p:sld xmlns:a="http://schemas.openxmlformats.org/drawingml/2006/main" xmlns:r="http://schemas.openxmlformats.org/officeDocument/2006/relationships" xmlns:p="http://schemas.openxmlformats.org/presentationml/2006/main" showMasterSp="0">
   <p:cSld>
     <p:spTree>
       <p:nvGrpSpPr>
@@ -2314,7 +1972,7 @@
 </file>
 
 <file path=ppt/slides/slide13.xml><?xml version="1.0" encoding="utf-8"?>
-<p:sld xmlns:a="http://schemas.openxmlformats.org/drawingml/2006/main" xmlns:r="http://schemas.openxmlformats.org/officeDocument/2006/relationships" xmlns:p="http://schemas.openxmlformats.org/presentationml/2006/main">
+<p:sld xmlns:a="http://schemas.openxmlformats.org/drawingml/2006/main" xmlns:r="http://schemas.openxmlformats.org/officeDocument/2006/relationships" xmlns:p="http://schemas.openxmlformats.org/presentationml/2006/main" showMasterSp="0">
   <p:cSld>
     <p:spTree>
       <p:nvGrpSpPr>
@@ -2387,7 +2045,7 @@
 </file>
 
 <file path=ppt/slides/slide2.xml><?xml version="1.0" encoding="utf-8"?>
-<p:sld xmlns:a="http://schemas.openxmlformats.org/drawingml/2006/main" xmlns:r="http://schemas.openxmlformats.org/officeDocument/2006/relationships" xmlns:p="http://schemas.openxmlformats.org/presentationml/2006/main">
+<p:sld xmlns:a="http://schemas.openxmlformats.org/drawingml/2006/main" xmlns:r="http://schemas.openxmlformats.org/officeDocument/2006/relationships" xmlns:p="http://schemas.openxmlformats.org/presentationml/2006/main" showMasterSp="0">
   <p:cSld>
     <p:spTree>
       <p:nvGrpSpPr>
@@ -2779,7 +2437,7 @@
 </file>
 
 <file path=ppt/slides/slide3.xml><?xml version="1.0" encoding="utf-8"?>
-<p:sld xmlns:a="http://schemas.openxmlformats.org/drawingml/2006/main" xmlns:r="http://schemas.openxmlformats.org/officeDocument/2006/relationships" xmlns:p="http://schemas.openxmlformats.org/presentationml/2006/main">
+<p:sld xmlns:a="http://schemas.openxmlformats.org/drawingml/2006/main" xmlns:r="http://schemas.openxmlformats.org/officeDocument/2006/relationships" xmlns:p="http://schemas.openxmlformats.org/presentationml/2006/main" showMasterSp="0">
   <p:cSld>
     <p:spTree>
       <p:nvGrpSpPr>
@@ -3359,7 +3017,7 @@
 </file>
 
 <file path=ppt/slides/slide4.xml><?xml version="1.0" encoding="utf-8"?>
-<p:sld xmlns:a="http://schemas.openxmlformats.org/drawingml/2006/main" xmlns:r="http://schemas.openxmlformats.org/officeDocument/2006/relationships" xmlns:p="http://schemas.openxmlformats.org/presentationml/2006/main">
+<p:sld xmlns:a="http://schemas.openxmlformats.org/drawingml/2006/main" xmlns:r="http://schemas.openxmlformats.org/officeDocument/2006/relationships" xmlns:p="http://schemas.openxmlformats.org/presentationml/2006/main" showMasterSp="0">
   <p:cSld>
     <p:spTree>
       <p:nvGrpSpPr>
@@ -3967,7 +3625,7 @@
 </file>
 
 <file path=ppt/slides/slide5.xml><?xml version="1.0" encoding="utf-8"?>
-<p:sld xmlns:a="http://schemas.openxmlformats.org/drawingml/2006/main" xmlns:r="http://schemas.openxmlformats.org/officeDocument/2006/relationships" xmlns:p="http://schemas.openxmlformats.org/presentationml/2006/main">
+<p:sld xmlns:a="http://schemas.openxmlformats.org/drawingml/2006/main" xmlns:r="http://schemas.openxmlformats.org/officeDocument/2006/relationships" xmlns:p="http://schemas.openxmlformats.org/presentationml/2006/main" showMasterSp="0">
   <p:cSld>
     <p:spTree>
       <p:nvGrpSpPr>
@@ -4276,7 +3934,7 @@
 </file>
 
 <file path=ppt/slides/slide6.xml><?xml version="1.0" encoding="utf-8"?>
-<p:sld xmlns:a="http://schemas.openxmlformats.org/drawingml/2006/main" xmlns:r="http://schemas.openxmlformats.org/officeDocument/2006/relationships" xmlns:p="http://schemas.openxmlformats.org/presentationml/2006/main">
+<p:sld xmlns:a="http://schemas.openxmlformats.org/drawingml/2006/main" xmlns:r="http://schemas.openxmlformats.org/officeDocument/2006/relationships" xmlns:p="http://schemas.openxmlformats.org/presentationml/2006/main" showMasterSp="0">
   <p:cSld>
     <p:spTree>
       <p:nvGrpSpPr>
@@ -4755,7 +4413,7 @@
 </file>
 
 <file path=ppt/slides/slide7.xml><?xml version="1.0" encoding="utf-8"?>
-<p:sld xmlns:a="http://schemas.openxmlformats.org/drawingml/2006/main" xmlns:r="http://schemas.openxmlformats.org/officeDocument/2006/relationships" xmlns:p="http://schemas.openxmlformats.org/presentationml/2006/main">
+<p:sld xmlns:a="http://schemas.openxmlformats.org/drawingml/2006/main" xmlns:r="http://schemas.openxmlformats.org/officeDocument/2006/relationships" xmlns:p="http://schemas.openxmlformats.org/presentationml/2006/main" showMasterSp="0">
   <p:cSld>
     <p:spTree>
       <p:nvGrpSpPr>
@@ -4826,34 +4484,20 @@
                 <a:latin typeface="微软雅黑" panose="020B0503020204020204" pitchFamily="34" charset="-122"/>
                 <a:ea typeface="微软雅黑" panose="020B0503020204020204" pitchFamily="34" charset="-122"/>
               </a:rPr>
-              <a:t>     对于连续的时间序列，我们需要使用一定的分辨率对它</a:t>
+              <a:t>     对于连续的时间序列，我们需要使用一定的分辨率对它进行划分，进而能够观察这个序列</a:t>
+            </a:r>
+            <a:r>
+              <a:rPr lang="zh-CN" altLang="en-US" sz="2400" dirty="0">
+                <a:latin typeface="微软雅黑" panose="020B0503020204020204" pitchFamily="34" charset="-122"/>
+                <a:ea typeface="微软雅黑" panose="020B0503020204020204" pitchFamily="34" charset="-122"/>
+              </a:rPr>
+              <a:t>，划分的</a:t>
             </a:r>
             <a:r>
               <a:rPr lang="zh-CN" altLang="en-US" sz="2400" dirty="0" smtClean="0">
                 <a:latin typeface="微软雅黑" panose="020B0503020204020204" pitchFamily="34" charset="-122"/>
                 <a:ea typeface="微软雅黑" panose="020B0503020204020204" pitchFamily="34" charset="-122"/>
               </a:rPr>
-              <a:t>进行划分，</a:t>
-            </a:r>
-            <a:r>
-              <a:rPr lang="zh-CN" altLang="en-US" sz="2400" dirty="0" smtClean="0">
-                <a:latin typeface="微软雅黑" panose="020B0503020204020204" pitchFamily="34" charset="-122"/>
-                <a:ea typeface="微软雅黑" panose="020B0503020204020204" pitchFamily="34" charset="-122"/>
-              </a:rPr>
-              <a:t>进而能够观察这个序列</a:t>
-            </a:r>
-            <a:r>
-              <a:rPr lang="zh-CN" altLang="en-US" sz="2400" dirty="0">
-                <a:latin typeface="微软雅黑" panose="020B0503020204020204" pitchFamily="34" charset="-122"/>
-                <a:ea typeface="微软雅黑" panose="020B0503020204020204" pitchFamily="34" charset="-122"/>
-              </a:rPr>
-              <a:t>，划分的</a:t>
-            </a:r>
-            <a:r>
-              <a:rPr lang="zh-CN" altLang="en-US" sz="2400" dirty="0" smtClean="0">
-                <a:latin typeface="微软雅黑" panose="020B0503020204020204" pitchFamily="34" charset="-122"/>
-                <a:ea typeface="微软雅黑" panose="020B0503020204020204" pitchFamily="34" charset="-122"/>
-              </a:rPr>
               <a:t>过程就是把这个过程颗粒化，分辨率称为</a:t>
             </a:r>
             <a:r>
@@ -4863,10 +4507,6 @@
               </a:rPr>
               <a:t>r</a:t>
             </a:r>
-            <a:endParaRPr lang="en-US" altLang="zh-CN" sz="2400" dirty="0" smtClean="0">
-              <a:latin typeface="微软雅黑" panose="020B0503020204020204" pitchFamily="34" charset="-122"/>
-              <a:ea typeface="微软雅黑" panose="020B0503020204020204" pitchFamily="34" charset="-122"/>
-            </a:endParaRPr>
           </a:p>
           <a:p>
             <a:endParaRPr lang="en-US" altLang="zh-CN" sz="2400" dirty="0" smtClean="0">
@@ -5031,7 +4671,7 @@
 </file>
 
 <file path=ppt/slides/slide8.xml><?xml version="1.0" encoding="utf-8"?>
-<p:sld xmlns:a="http://schemas.openxmlformats.org/drawingml/2006/main" xmlns:r="http://schemas.openxmlformats.org/officeDocument/2006/relationships" xmlns:p="http://schemas.openxmlformats.org/presentationml/2006/main">
+<p:sld xmlns:a="http://schemas.openxmlformats.org/drawingml/2006/main" xmlns:r="http://schemas.openxmlformats.org/officeDocument/2006/relationships" xmlns:p="http://schemas.openxmlformats.org/presentationml/2006/main" showMasterSp="0">
   <p:cSld>
     <p:spTree>
       <p:nvGrpSpPr>
@@ -5424,7 +5064,7 @@
 </file>
 
 <file path=ppt/slides/slide9.xml><?xml version="1.0" encoding="utf-8"?>
-<p:sld xmlns:a="http://schemas.openxmlformats.org/drawingml/2006/main" xmlns:r="http://schemas.openxmlformats.org/officeDocument/2006/relationships" xmlns:p="http://schemas.openxmlformats.org/presentationml/2006/main">
+<p:sld xmlns:a="http://schemas.openxmlformats.org/drawingml/2006/main" xmlns:r="http://schemas.openxmlformats.org/officeDocument/2006/relationships" xmlns:p="http://schemas.openxmlformats.org/presentationml/2006/main" showMasterSp="0">
   <p:cSld>
     <p:spTree>
       <p:nvGrpSpPr>
